--- a/doc/day5/test-S_I.pptx
+++ b/doc/day5/test-S_I.pptx
@@ -4126,7 +4126,7 @@
         </p:nvSpPr>
         <p:spPr>
           <a:xfrm>
-            <a:off x="1936916" y="2425316"/>
+            <a:off x="1936915" y="2342189"/>
             <a:ext cx="8626637" cy="1646302"/>
           </a:xfrm>
         </p:spPr>
@@ -4185,7 +4185,14 @@
                 <a:latin typeface="Arial" panose="020B0604020202020204" pitchFamily="34" charset="0"/>
                 <a:cs typeface="Arial" panose="020B0604020202020204" pitchFamily="34" charset="0"/>
               </a:rPr>
-              <a:t>This is a test to see if I can upload sample pptx</a:t>
+              <a:t>This is a test to check if can upload </a:t>
+            </a:r>
+            <a:r>
+              <a:rPr lang="en-US" altLang="ja-JP" sz="2800" b="1">
+                <a:latin typeface="Arial" panose="020B0604020202020204" pitchFamily="34" charset="0"/>
+                <a:cs typeface="Arial" panose="020B0604020202020204" pitchFamily="34" charset="0"/>
+              </a:rPr>
+              <a:t>sample_pptx</a:t>
             </a:r>
             <a:endParaRPr kumimoji="1" lang="ja-JP" altLang="en-US" b="1" i="1">
               <a:latin typeface="Helvetica" pitchFamily="2" charset="0"/>
@@ -4248,11 +4255,11 @@
             </a:r>
             <a:r>
               <a:rPr lang="en-US" altLang="ja-JP" dirty="0" err="1"/>
-              <a:t>hikky</a:t>
+              <a:t>hk</a:t>
             </a:r>
             <a:r>
               <a:rPr lang="en-US" altLang="ja-JP" dirty="0"/>
-              <a:t>)</a:t>
+              <a:t>-nyao)</a:t>
             </a:r>
             <a:endParaRPr kumimoji="1" lang="ja-JP" altLang="en-US"/>
           </a:p>
